--- a/mydesigns/keymaps.pptx
+++ b/mydesigns/keymaps.pptx
@@ -4799,21 +4799,25 @@
         <p:spPr>
           <a:xfrm>
             <a:off x="1691486" y="1942724"/>
-            <a:ext cx="311466" cy="256439"/>
-          </a:xfrm>
-          <a:prstGeom prst="rect">
-            <a:avLst/>
-          </a:prstGeom>
-          <a:noFill/>
-        </p:spPr>
-        <p:txBody>
-          <a:bodyPr wrap="none" rtlCol="0">
-            <a:spAutoFit/>
-          </a:bodyPr>
-          <a:lstStyle/>
-          <a:p>
-            <a:r>
-              <a:rPr lang="en-GB" sz="1400"/>
+            <a:ext cx="373820" cy="307777"/>
+          </a:xfrm>
+          <a:prstGeom prst="rect">
+            <a:avLst/>
+          </a:prstGeom>
+          <a:noFill/>
+        </p:spPr>
+        <p:txBody>
+          <a:bodyPr wrap="none" rtlCol="0">
+            <a:spAutoFit/>
+          </a:bodyPr>
+          <a:lstStyle/>
+          <a:p>
+            <a:r>
+              <a:rPr lang="en-GB" sz="1400" dirty="0">
+                <a:solidFill>
+                  <a:srgbClr val="FF0000"/>
+                </a:solidFill>
+              </a:rPr>
               <a:t>alt</a:t>
             </a:r>
           </a:p>
@@ -5891,7 +5895,11 @@
           <a:lstStyle/>
           <a:p>
             <a:r>
-              <a:rPr lang="en-GB"/>
+              <a:rPr lang="en-GB">
+                <a:solidFill>
+                  <a:srgbClr val="FF0000"/>
+                </a:solidFill>
+              </a:rPr>
               <a:t>/</a:t>
             </a:r>
           </a:p>
@@ -7565,10 +7573,10 @@
           <a:lstStyle/>
           <a:p>
             <a:r>
-              <a:rPr lang="en-GB" sz="900" err="1"/>
+              <a:rPr lang="en-GB" sz="900" dirty="0" err="1"/>
               <a:t>mouup</a:t>
             </a:r>
-            <a:endParaRPr lang="en-GB" sz="900"/>
+            <a:endParaRPr lang="en-GB" sz="900" dirty="0"/>
           </a:p>
         </p:txBody>
       </p:sp>
@@ -7837,6 +7845,41 @@
               <a:t>rigt</a:t>
             </a:r>
             <a:endParaRPr lang="en-GB" sz="600"/>
+          </a:p>
+        </p:txBody>
+      </p:sp>
+      <p:sp>
+        <p:nvSpPr>
+          <p:cNvPr id="189" name="TextBox 188">
+            <a:extLst>
+              <a:ext uri="{FF2B5EF4-FFF2-40B4-BE49-F238E27FC236}">
+                <a16:creationId xmlns:a16="http://schemas.microsoft.com/office/drawing/2014/main" id="{208F0F62-9140-F443-8C9A-2EAA2BBF4AE4}"/>
+              </a:ext>
+            </a:extLst>
+          </p:cNvPr>
+          <p:cNvSpPr txBox="1"/>
+          <p:nvPr/>
+        </p:nvSpPr>
+        <p:spPr>
+          <a:xfrm>
+            <a:off x="269986" y="6219673"/>
+            <a:ext cx="348172" cy="230832"/>
+          </a:xfrm>
+          <a:prstGeom prst="rect">
+            <a:avLst/>
+          </a:prstGeom>
+          <a:noFill/>
+        </p:spPr>
+        <p:txBody>
+          <a:bodyPr wrap="none" rtlCol="0">
+            <a:spAutoFit/>
+          </a:bodyPr>
+          <a:lstStyle/>
+          <a:p>
+            <a:r>
+              <a:rPr lang="en-GB" sz="900" dirty="0"/>
+              <a:t>cap</a:t>
+            </a:r>
           </a:p>
         </p:txBody>
       </p:sp>
